--- a/演示文稿1.pptx
+++ b/演示文稿1.pptx
@@ -3125,7 +3125,7 @@
             <a:avLst/>
           </a:prstGeom>
           <a:solidFill>
-            <a:srgbClr val="C00000"/>
+            <a:srgbClr val="22B430"/>
           </a:solidFill>
           <a:ln w="28575"/>
         </p:spPr>
